--- a/02-JavaScript/04-functions/Functions.pptx
+++ b/02-JavaScript/04-functions/Functions.pptx
@@ -7,6 +7,7 @@
   <p:sldIdLst>
     <p:sldId id="256" r:id="rId2"/>
     <p:sldId id="257" r:id="rId3"/>
+    <p:sldId id="258" r:id="rId4"/>
   </p:sldIdLst>
   <p:sldSz cx="12192000" cy="6858000"/>
   <p:notesSz cx="6858000" cy="9144000"/>
@@ -105,6 +106,11 @@
       </a:defRPr>
     </a:lvl9pPr>
   </p:defaultTextStyle>
+  <p:extLst>
+    <p:ext uri="{EFAFB233-063F-42B5-8137-9DF3F51BA10A}">
+      <p15:sldGuideLst xmlns:p15="http://schemas.microsoft.com/office/powerpoint/2012/main"/>
+    </p:ext>
+  </p:extLst>
 </p:presentation>
 </file>
 
@@ -278,7 +284,7 @@
           <a:p>
             <a:fld id="{37FA6F6D-58FF-4D4F-B634-E02C5D6019F2}" type="datetimeFigureOut">
               <a:rPr lang="en-IL" smtClean="0"/>
-              <a:t>13/12/2021</a:t>
+              <a:t>20/12/2021</a:t>
             </a:fld>
             <a:endParaRPr lang="en-IL"/>
           </a:p>
@@ -545,7 +551,7 @@
           <a:p>
             <a:fld id="{37FA6F6D-58FF-4D4F-B634-E02C5D6019F2}" type="datetimeFigureOut">
               <a:rPr lang="en-IL" smtClean="0"/>
-              <a:t>13/12/2021</a:t>
+              <a:t>20/12/2021</a:t>
             </a:fld>
             <a:endParaRPr lang="en-IL"/>
           </a:p>
@@ -776,7 +782,7 @@
           <a:p>
             <a:fld id="{37FA6F6D-58FF-4D4F-B634-E02C5D6019F2}" type="datetimeFigureOut">
               <a:rPr lang="en-IL" smtClean="0"/>
-              <a:t>13/12/2021</a:t>
+              <a:t>20/12/2021</a:t>
             </a:fld>
             <a:endParaRPr lang="en-IL"/>
           </a:p>
@@ -1086,7 +1092,7 @@
           <a:p>
             <a:fld id="{37FA6F6D-58FF-4D4F-B634-E02C5D6019F2}" type="datetimeFigureOut">
               <a:rPr lang="en-IL" smtClean="0"/>
-              <a:t>13/12/2021</a:t>
+              <a:t>20/12/2021</a:t>
             </a:fld>
             <a:endParaRPr lang="en-IL"/>
           </a:p>
@@ -1559,7 +1565,7 @@
           <a:p>
             <a:fld id="{37FA6F6D-58FF-4D4F-B634-E02C5D6019F2}" type="datetimeFigureOut">
               <a:rPr lang="en-IL" smtClean="0"/>
-              <a:t>13/12/2021</a:t>
+              <a:t>20/12/2021</a:t>
             </a:fld>
             <a:endParaRPr lang="en-IL"/>
           </a:p>
@@ -2106,7 +2112,7 @@
           <a:p>
             <a:fld id="{37FA6F6D-58FF-4D4F-B634-E02C5D6019F2}" type="datetimeFigureOut">
               <a:rPr lang="en-IL" smtClean="0"/>
-              <a:t>13/12/2021</a:t>
+              <a:t>20/12/2021</a:t>
             </a:fld>
             <a:endParaRPr lang="en-IL"/>
           </a:p>
@@ -2880,7 +2886,7 @@
           <a:p>
             <a:fld id="{37FA6F6D-58FF-4D4F-B634-E02C5D6019F2}" type="datetimeFigureOut">
               <a:rPr lang="en-IL" smtClean="0"/>
-              <a:t>13/12/2021</a:t>
+              <a:t>20/12/2021</a:t>
             </a:fld>
             <a:endParaRPr lang="en-IL"/>
           </a:p>
@@ -3055,7 +3061,7 @@
           <a:p>
             <a:fld id="{37FA6F6D-58FF-4D4F-B634-E02C5D6019F2}" type="datetimeFigureOut">
               <a:rPr lang="en-IL" smtClean="0"/>
-              <a:t>13/12/2021</a:t>
+              <a:t>20/12/2021</a:t>
             </a:fld>
             <a:endParaRPr lang="en-IL"/>
           </a:p>
@@ -3278,7 +3284,7 @@
           <a:p>
             <a:fld id="{37FA6F6D-58FF-4D4F-B634-E02C5D6019F2}" type="datetimeFigureOut">
               <a:rPr lang="en-IL" smtClean="0"/>
-              <a:t>13/12/2021</a:t>
+              <a:t>20/12/2021</a:t>
             </a:fld>
             <a:endParaRPr lang="en-IL"/>
           </a:p>
@@ -3458,7 +3464,7 @@
           <a:p>
             <a:fld id="{37FA6F6D-58FF-4D4F-B634-E02C5D6019F2}" type="datetimeFigureOut">
               <a:rPr lang="en-IL" smtClean="0"/>
-              <a:t>13/12/2021</a:t>
+              <a:t>20/12/2021</a:t>
             </a:fld>
             <a:endParaRPr lang="en-IL"/>
           </a:p>
@@ -3747,7 +3753,7 @@
           <a:p>
             <a:fld id="{37FA6F6D-58FF-4D4F-B634-E02C5D6019F2}" type="datetimeFigureOut">
               <a:rPr lang="en-IL" smtClean="0"/>
-              <a:t>13/12/2021</a:t>
+              <a:t>20/12/2021</a:t>
             </a:fld>
             <a:endParaRPr lang="en-IL"/>
           </a:p>
@@ -3989,7 +3995,7 @@
           <a:p>
             <a:fld id="{37FA6F6D-58FF-4D4F-B634-E02C5D6019F2}" type="datetimeFigureOut">
               <a:rPr lang="en-IL" smtClean="0"/>
-              <a:t>13/12/2021</a:t>
+              <a:t>20/12/2021</a:t>
             </a:fld>
             <a:endParaRPr lang="en-IL"/>
           </a:p>
@@ -4368,7 +4374,7 @@
           <a:p>
             <a:fld id="{37FA6F6D-58FF-4D4F-B634-E02C5D6019F2}" type="datetimeFigureOut">
               <a:rPr lang="en-IL" smtClean="0"/>
-              <a:t>13/12/2021</a:t>
+              <a:t>20/12/2021</a:t>
             </a:fld>
             <a:endParaRPr lang="en-IL"/>
           </a:p>
@@ -4486,7 +4492,7 @@
           <a:p>
             <a:fld id="{37FA6F6D-58FF-4D4F-B634-E02C5D6019F2}" type="datetimeFigureOut">
               <a:rPr lang="en-IL" smtClean="0"/>
-              <a:t>13/12/2021</a:t>
+              <a:t>20/12/2021</a:t>
             </a:fld>
             <a:endParaRPr lang="en-IL"/>
           </a:p>
@@ -4581,7 +4587,7 @@
           <a:p>
             <a:fld id="{37FA6F6D-58FF-4D4F-B634-E02C5D6019F2}" type="datetimeFigureOut">
               <a:rPr lang="en-IL" smtClean="0"/>
-              <a:t>13/12/2021</a:t>
+              <a:t>20/12/2021</a:t>
             </a:fld>
             <a:endParaRPr lang="en-IL"/>
           </a:p>
@@ -4830,7 +4836,7 @@
           <a:p>
             <a:fld id="{37FA6F6D-58FF-4D4F-B634-E02C5D6019F2}" type="datetimeFigureOut">
               <a:rPr lang="en-IL" smtClean="0"/>
-              <a:t>13/12/2021</a:t>
+              <a:t>20/12/2021</a:t>
             </a:fld>
             <a:endParaRPr lang="en-IL"/>
           </a:p>
@@ -5087,7 +5093,7 @@
           <a:p>
             <a:fld id="{37FA6F6D-58FF-4D4F-B634-E02C5D6019F2}" type="datetimeFigureOut">
               <a:rPr lang="en-IL" smtClean="0"/>
-              <a:t>13/12/2021</a:t>
+              <a:t>20/12/2021</a:t>
             </a:fld>
             <a:endParaRPr lang="en-IL"/>
           </a:p>
@@ -5330,7 +5336,7 @@
           <a:p>
             <a:fld id="{37FA6F6D-58FF-4D4F-B634-E02C5D6019F2}" type="datetimeFigureOut">
               <a:rPr lang="en-IL" smtClean="0"/>
-              <a:t>13/12/2021</a:t>
+              <a:t>20/12/2021</a:t>
             </a:fld>
             <a:endParaRPr lang="en-IL"/>
           </a:p>
@@ -6065,6 +6071,492 @@
 </p:sld>
 </file>
 
+<file path=ppt/slides/slide3.xml><?xml version="1.0" encoding="utf-8"?>
+<p:sld xmlns:a="http://schemas.openxmlformats.org/drawingml/2006/main" xmlns:r="http://schemas.openxmlformats.org/officeDocument/2006/relationships" xmlns:p="http://schemas.openxmlformats.org/presentationml/2006/main">
+  <p:cSld>
+    <p:bg>
+      <p:bgPr>
+        <a:solidFill>
+          <a:schemeClr val="bg1"/>
+        </a:solidFill>
+        <a:effectLst/>
+      </p:bgPr>
+    </p:bg>
+    <p:spTree>
+      <p:nvGrpSpPr>
+        <p:cNvPr id="1" name=""/>
+        <p:cNvGrpSpPr/>
+        <p:nvPr/>
+      </p:nvGrpSpPr>
+      <p:grpSpPr>
+        <a:xfrm>
+          <a:off x="0" y="0"/>
+          <a:ext cx="0" cy="0"/>
+          <a:chOff x="0" y="0"/>
+          <a:chExt cx="0" cy="0"/>
+        </a:xfrm>
+      </p:grpSpPr>
+      <p:pic>
+        <p:nvPicPr>
+          <p:cNvPr id="15" name="Picture 14">
+            <a:extLst>
+              <a:ext uri="{FF2B5EF4-FFF2-40B4-BE49-F238E27FC236}">
+                <a16:creationId xmlns:a16="http://schemas.microsoft.com/office/drawing/2014/main" id="{CFD580F5-E7BF-4C1D-BEFD-4A4601EBA876}"/>
+              </a:ext>
+              <a:ext uri="{C183D7F6-B498-43B3-948B-1728B52AA6E4}">
+                <adec:decorative xmlns:adec="http://schemas.microsoft.com/office/drawing/2017/decorative" val="1"/>
+              </a:ext>
+            </a:extLst>
+          </p:cNvPr>
+          <p:cNvPicPr>
+            <a:picLocks noGrp="1" noRot="1" noChangeAspect="1" noMove="1" noResize="1" noEditPoints="1" noAdjustHandles="1" noChangeArrowheads="1" noChangeShapeType="1" noCrop="1"/>
+          </p:cNvPicPr>
+          <p:nvPr>
+            <p:extLst>
+              <p:ext uri="{386F3935-93C4-4BCD-93E2-E3B085C9AB24}">
+                <p16:designElem xmlns:p16="http://schemas.microsoft.com/office/powerpoint/2015/main" val="1"/>
+              </p:ext>
+            </p:extLst>
+          </p:nvPr>
+        </p:nvPicPr>
+        <p:blipFill>
+          <a:blip r:embed="rId2">
+            <a:extLst>
+              <a:ext uri="{28A0092B-C50C-407E-A947-70E740481C1C}">
+                <a14:useLocalDpi xmlns:a14="http://schemas.microsoft.com/office/drawing/2010/main" val="0"/>
+              </a:ext>
+            </a:extLst>
+          </a:blip>
+          <a:stretch>
+            <a:fillRect/>
+          </a:stretch>
+        </p:blipFill>
+        <p:spPr>
+          <a:xfrm>
+            <a:off x="0" y="0"/>
+            <a:ext cx="12192000" cy="1441450"/>
+          </a:xfrm>
+          <a:prstGeom prst="rect">
+            <a:avLst/>
+          </a:prstGeom>
+        </p:spPr>
+      </p:pic>
+      <p:pic>
+        <p:nvPicPr>
+          <p:cNvPr id="17" name="Picture 16">
+            <a:extLst>
+              <a:ext uri="{FF2B5EF4-FFF2-40B4-BE49-F238E27FC236}">
+                <a16:creationId xmlns:a16="http://schemas.microsoft.com/office/drawing/2014/main" id="{F0F06750-78FE-4472-8DA5-14CF3336F811}"/>
+              </a:ext>
+              <a:ext uri="{C183D7F6-B498-43B3-948B-1728B52AA6E4}">
+                <adec:decorative xmlns:adec="http://schemas.microsoft.com/office/drawing/2017/decorative" val="1"/>
+              </a:ext>
+            </a:extLst>
+          </p:cNvPr>
+          <p:cNvPicPr>
+            <a:picLocks noGrp="1" noRot="1" noChangeAspect="1" noMove="1" noResize="1" noEditPoints="1" noAdjustHandles="1" noChangeArrowheads="1" noChangeShapeType="1" noCrop="1"/>
+          </p:cNvPicPr>
+          <p:nvPr>
+            <p:extLst>
+              <p:ext uri="{386F3935-93C4-4BCD-93E2-E3B085C9AB24}">
+                <p16:designElem xmlns:p16="http://schemas.microsoft.com/office/powerpoint/2015/main" val="1"/>
+              </p:ext>
+            </p:extLst>
+          </p:nvPr>
+        </p:nvPicPr>
+        <p:blipFill>
+          <a:blip r:embed="rId3">
+            <a:extLst>
+              <a:ext uri="{28A0092B-C50C-407E-A947-70E740481C1C}">
+                <a14:useLocalDpi xmlns:a14="http://schemas.microsoft.com/office/drawing/2010/main" val="0"/>
+              </a:ext>
+            </a:extLst>
+          </a:blip>
+          <a:stretch>
+            <a:fillRect/>
+          </a:stretch>
+        </p:blipFill>
+        <p:spPr>
+          <a:xfrm>
+            <a:off x="0" y="4375150"/>
+            <a:ext cx="12192000" cy="2482850"/>
+          </a:xfrm>
+          <a:prstGeom prst="rect">
+            <a:avLst/>
+          </a:prstGeom>
+        </p:spPr>
+      </p:pic>
+      <p:sp>
+        <p:nvSpPr>
+          <p:cNvPr id="2" name="Title 1">
+            <a:extLst>
+              <a:ext uri="{FF2B5EF4-FFF2-40B4-BE49-F238E27FC236}">
+                <a16:creationId xmlns:a16="http://schemas.microsoft.com/office/drawing/2014/main" id="{14A8227B-A019-4342-A2A7-400BD4FBA0AF}"/>
+              </a:ext>
+            </a:extLst>
+          </p:cNvPr>
+          <p:cNvSpPr>
+            <a:spLocks noGrp="1"/>
+          </p:cNvSpPr>
+          <p:nvPr>
+            <p:ph type="title"/>
+          </p:nvPr>
+        </p:nvSpPr>
+        <p:spPr>
+          <a:xfrm>
+            <a:off x="8266820" y="673240"/>
+            <a:ext cx="3300981" cy="3446373"/>
+          </a:xfrm>
+          <a:noFill/>
+          <a:ln w="19050">
+            <a:noFill/>
+            <a:prstDash val="dash"/>
+          </a:ln>
+        </p:spPr>
+        <p:txBody>
+          <a:bodyPr vert="horz" lIns="91440" tIns="45720" rIns="91440" bIns="45720" rtlCol="0" anchor="b">
+            <a:normAutofit/>
+          </a:bodyPr>
+          <a:lstStyle/>
+          <a:p>
+            <a:pPr algn="l"/>
+            <a:r>
+              <a:rPr lang="en-US" sz="4800"/>
+              <a:t>3 ways to write a function</a:t>
+            </a:r>
+          </a:p>
+        </p:txBody>
+      </p:sp>
+      <p:sp>
+        <p:nvSpPr>
+          <p:cNvPr id="19" name="Rectangle 18">
+            <a:extLst>
+              <a:ext uri="{FF2B5EF4-FFF2-40B4-BE49-F238E27FC236}">
+                <a16:creationId xmlns:a16="http://schemas.microsoft.com/office/drawing/2014/main" id="{11432301-4726-4BC7-A053-C83570C6643B}"/>
+              </a:ext>
+              <a:ext uri="{C183D7F6-B498-43B3-948B-1728B52AA6E4}">
+                <adec:decorative xmlns:adec="http://schemas.microsoft.com/office/drawing/2017/decorative" val="1"/>
+              </a:ext>
+            </a:extLst>
+          </p:cNvPr>
+          <p:cNvSpPr>
+            <a:spLocks noGrp="1" noRot="1" noChangeAspect="1" noMove="1" noResize="1" noEditPoints="1" noAdjustHandles="1" noChangeArrowheads="1" noChangeShapeType="1" noTextEdit="1"/>
+          </p:cNvSpPr>
+          <p:nvPr>
+            <p:extLst>
+              <p:ext uri="{386F3935-93C4-4BCD-93E2-E3B085C9AB24}">
+                <p16:designElem xmlns:p16="http://schemas.microsoft.com/office/powerpoint/2015/main" val="1"/>
+              </p:ext>
+            </p:extLst>
+          </p:nvPr>
+        </p:nvSpPr>
+        <p:spPr>
+          <a:xfrm>
+            <a:off x="7946782" y="-1"/>
+            <a:ext cx="4245218" cy="536715"/>
+          </a:xfrm>
+          <a:prstGeom prst="rect">
+            <a:avLst/>
+          </a:prstGeom>
+          <a:solidFill>
+            <a:schemeClr val="bg1"/>
+          </a:solidFill>
+          <a:ln>
+            <a:noFill/>
+          </a:ln>
+        </p:spPr>
+        <p:style>
+          <a:lnRef idx="2">
+            <a:schemeClr val="accent1">
+              <a:shade val="50000"/>
+            </a:schemeClr>
+          </a:lnRef>
+          <a:fillRef idx="1">
+            <a:schemeClr val="accent1"/>
+          </a:fillRef>
+          <a:effectRef idx="0">
+            <a:schemeClr val="accent1"/>
+          </a:effectRef>
+          <a:fontRef idx="minor">
+            <a:schemeClr val="lt1"/>
+          </a:fontRef>
+        </p:style>
+        <p:txBody>
+          <a:bodyPr rtlCol="0" anchor="ctr"/>
+          <a:lstStyle/>
+          <a:p>
+            <a:pPr algn="ctr"/>
+            <a:endParaRPr lang="en-US"/>
+          </a:p>
+        </p:txBody>
+      </p:sp>
+      <p:sp>
+        <p:nvSpPr>
+          <p:cNvPr id="21" name="Rectangle 20">
+            <a:extLst>
+              <a:ext uri="{FF2B5EF4-FFF2-40B4-BE49-F238E27FC236}">
+                <a16:creationId xmlns:a16="http://schemas.microsoft.com/office/drawing/2014/main" id="{3FF533E5-9750-4E88-96EA-897A0D703FD4}"/>
+              </a:ext>
+              <a:ext uri="{C183D7F6-B498-43B3-948B-1728B52AA6E4}">
+                <adec:decorative xmlns:adec="http://schemas.microsoft.com/office/drawing/2017/decorative" val="1"/>
+              </a:ext>
+            </a:extLst>
+          </p:cNvPr>
+          <p:cNvSpPr>
+            <a:spLocks noGrp="1" noRot="1" noChangeAspect="1" noMove="1" noResize="1" noEditPoints="1" noAdjustHandles="1" noChangeArrowheads="1" noChangeShapeType="1" noTextEdit="1"/>
+          </p:cNvSpPr>
+          <p:nvPr>
+            <p:extLst>
+              <p:ext uri="{386F3935-93C4-4BCD-93E2-E3B085C9AB24}">
+                <p16:designElem xmlns:p16="http://schemas.microsoft.com/office/powerpoint/2015/main" val="1"/>
+              </p:ext>
+            </p:extLst>
+          </p:nvPr>
+        </p:nvSpPr>
+        <p:spPr>
+          <a:xfrm>
+            <a:off x="-1" y="0"/>
+            <a:ext cx="7946781" cy="6858000"/>
+          </a:xfrm>
+          <a:prstGeom prst="rect">
+            <a:avLst/>
+          </a:prstGeom>
+          <a:solidFill>
+            <a:schemeClr val="bg1"/>
+          </a:solidFill>
+          <a:ln>
+            <a:noFill/>
+          </a:ln>
+        </p:spPr>
+        <p:style>
+          <a:lnRef idx="2">
+            <a:schemeClr val="accent1">
+              <a:shade val="50000"/>
+            </a:schemeClr>
+          </a:lnRef>
+          <a:fillRef idx="1">
+            <a:schemeClr val="accent1"/>
+          </a:fillRef>
+          <a:effectRef idx="0">
+            <a:schemeClr val="accent1"/>
+          </a:effectRef>
+          <a:fontRef idx="minor">
+            <a:schemeClr val="lt1"/>
+          </a:fontRef>
+        </p:style>
+        <p:txBody>
+          <a:bodyPr rtlCol="0" anchor="ctr"/>
+          <a:lstStyle/>
+          <a:p>
+            <a:pPr algn="ctr"/>
+            <a:endParaRPr lang="en-US"/>
+          </a:p>
+        </p:txBody>
+      </p:sp>
+      <p:sp>
+        <p:nvSpPr>
+          <p:cNvPr id="23" name="Rounded Rectangle 11">
+            <a:extLst>
+              <a:ext uri="{FF2B5EF4-FFF2-40B4-BE49-F238E27FC236}">
+                <a16:creationId xmlns:a16="http://schemas.microsoft.com/office/drawing/2014/main" id="{F41BBC71-7D18-4156-8DE4-06F1CB298F54}"/>
+              </a:ext>
+              <a:ext uri="{C183D7F6-B498-43B3-948B-1728B52AA6E4}">
+                <adec:decorative xmlns:adec="http://schemas.microsoft.com/office/drawing/2017/decorative" val="1"/>
+              </a:ext>
+            </a:extLst>
+          </p:cNvPr>
+          <p:cNvSpPr>
+            <a:spLocks noGrp="1" noRot="1" noChangeAspect="1" noMove="1" noResize="1" noEditPoints="1" noAdjustHandles="1" noChangeArrowheads="1" noChangeShapeType="1" noTextEdit="1"/>
+          </p:cNvSpPr>
+          <p:nvPr>
+            <p:extLst>
+              <p:ext uri="{386F3935-93C4-4BCD-93E2-E3B085C9AB24}">
+                <p16:designElem xmlns:p16="http://schemas.microsoft.com/office/powerpoint/2015/main" val="1"/>
+              </p:ext>
+            </p:extLst>
+          </p:nvPr>
+        </p:nvSpPr>
+        <p:spPr>
+          <a:xfrm>
+            <a:off x="643338" y="643464"/>
+            <a:ext cx="6638814" cy="5571072"/>
+          </a:xfrm>
+          <a:prstGeom prst="roundRect">
+            <a:avLst>
+              <a:gd name="adj" fmla="val 2403"/>
+            </a:avLst>
+          </a:prstGeom>
+          <a:solidFill>
+            <a:srgbClr val="FFFFFF"/>
+          </a:solidFill>
+          <a:ln>
+            <a:noFill/>
+          </a:ln>
+          <a:effectLst>
+            <a:innerShdw blurRad="114300">
+              <a:prstClr val="black"/>
+            </a:innerShdw>
+          </a:effectLst>
+        </p:spPr>
+        <p:style>
+          <a:lnRef idx="2">
+            <a:schemeClr val="accent1">
+              <a:shade val="50000"/>
+            </a:schemeClr>
+          </a:lnRef>
+          <a:fillRef idx="1">
+            <a:schemeClr val="accent1"/>
+          </a:fillRef>
+          <a:effectRef idx="0">
+            <a:schemeClr val="accent1"/>
+          </a:effectRef>
+          <a:fontRef idx="minor">
+            <a:schemeClr val="lt1"/>
+          </a:fontRef>
+        </p:style>
+        <p:txBody>
+          <a:bodyPr rtlCol="0" anchor="ctr"/>
+          <a:lstStyle/>
+          <a:p>
+            <a:pPr algn="ctr"/>
+            <a:endParaRPr lang="en-US"/>
+          </a:p>
+        </p:txBody>
+      </p:sp>
+      <p:pic>
+        <p:nvPicPr>
+          <p:cNvPr id="5" name="Picture 4">
+            <a:extLst>
+              <a:ext uri="{FF2B5EF4-FFF2-40B4-BE49-F238E27FC236}">
+                <a16:creationId xmlns:a16="http://schemas.microsoft.com/office/drawing/2014/main" id="{02C78214-68F3-4F5B-B767-012328890874}"/>
+              </a:ext>
+            </a:extLst>
+          </p:cNvPr>
+          <p:cNvPicPr>
+            <a:picLocks noChangeAspect="1"/>
+          </p:cNvPicPr>
+          <p:nvPr/>
+        </p:nvPicPr>
+        <p:blipFill rotWithShape="1">
+          <a:blip r:embed="rId4"/>
+          <a:srcRect t="5600" r="2" b="12320"/>
+          <a:stretch/>
+        </p:blipFill>
+        <p:spPr>
+          <a:xfrm>
+            <a:off x="1293000" y="1286928"/>
+            <a:ext cx="5339490" cy="4284145"/>
+          </a:xfrm>
+          <a:prstGeom prst="rect">
+            <a:avLst/>
+          </a:prstGeom>
+        </p:spPr>
+      </p:pic>
+    </p:spTree>
+    <p:extLst>
+      <p:ext uri="{BB962C8B-B14F-4D97-AF65-F5344CB8AC3E}">
+        <p14:creationId xmlns:p14="http://schemas.microsoft.com/office/powerpoint/2010/main" val="4096614883"/>
+      </p:ext>
+    </p:extLst>
+  </p:cSld>
+  <p:clrMapOvr>
+    <a:masterClrMapping/>
+  </p:clrMapOvr>
+  <p:timing>
+    <p:tnLst>
+      <p:par>
+        <p:cTn id="1" dur="indefinite" restart="never" nodeType="tmRoot">
+          <p:childTnLst>
+            <p:seq concurrent="1" nextAc="seek">
+              <p:cTn id="2" dur="indefinite" nodeType="mainSeq">
+                <p:childTnLst>
+                  <p:par>
+                    <p:cTn id="3" fill="hold">
+                      <p:stCondLst>
+                        <p:cond delay="indefinite"/>
+                        <p:cond evt="onBegin" delay="0">
+                          <p:tn val="2"/>
+                        </p:cond>
+                      </p:stCondLst>
+                      <p:childTnLst>
+                        <p:par>
+                          <p:cTn id="4" fill="hold">
+                            <p:stCondLst>
+                              <p:cond delay="0"/>
+                            </p:stCondLst>
+                            <p:childTnLst>
+                              <p:par>
+                                <p:cTn id="5" presetID="10" presetClass="entr" presetSubtype="0" fill="hold" grpId="0" nodeType="withEffect">
+                                  <p:stCondLst>
+                                    <p:cond delay="1000"/>
+                                  </p:stCondLst>
+                                  <p:iterate>
+                                    <p:tmPct val="10000"/>
+                                  </p:iterate>
+                                  <p:childTnLst>
+                                    <p:set>
+                                      <p:cBhvr>
+                                        <p:cTn id="6" dur="1" fill="hold">
+                                          <p:stCondLst>
+                                            <p:cond delay="0"/>
+                                          </p:stCondLst>
+                                        </p:cTn>
+                                        <p:tgtEl>
+                                          <p:spTgt spid="2"/>
+                                        </p:tgtEl>
+                                        <p:attrNameLst>
+                                          <p:attrName>style.visibility</p:attrName>
+                                        </p:attrNameLst>
+                                      </p:cBhvr>
+                                      <p:to>
+                                        <p:strVal val="visible"/>
+                                      </p:to>
+                                    </p:set>
+                                    <p:animEffect transition="in" filter="fade">
+                                      <p:cBhvr>
+                                        <p:cTn id="7" dur="700"/>
+                                        <p:tgtEl>
+                                          <p:spTgt spid="2"/>
+                                        </p:tgtEl>
+                                      </p:cBhvr>
+                                    </p:animEffect>
+                                  </p:childTnLst>
+                                </p:cTn>
+                              </p:par>
+                            </p:childTnLst>
+                          </p:cTn>
+                        </p:par>
+                      </p:childTnLst>
+                    </p:cTn>
+                  </p:par>
+                </p:childTnLst>
+              </p:cTn>
+              <p:prevCondLst>
+                <p:cond evt="onPrev" delay="0">
+                  <p:tgtEl>
+                    <p:sldTgt/>
+                  </p:tgtEl>
+                </p:cond>
+              </p:prevCondLst>
+              <p:nextCondLst>
+                <p:cond evt="onNext" delay="0">
+                  <p:tgtEl>
+                    <p:sldTgt/>
+                  </p:tgtEl>
+                </p:cond>
+              </p:nextCondLst>
+            </p:seq>
+          </p:childTnLst>
+        </p:cTn>
+      </p:par>
+    </p:tnLst>
+    <p:bldLst>
+      <p:bldP spid="2" grpId="0"/>
+    </p:bldLst>
+  </p:timing>
+</p:sld>
+</file>
+
 <file path=ppt/theme/theme1.xml><?xml version="1.0" encoding="utf-8"?>
 <a:theme xmlns:a="http://schemas.openxmlformats.org/drawingml/2006/main" name="Vapor Trail">
   <a:themeElements>
